--- a/preso/data20_preso.pptx
+++ b/preso/data20_preso.pptx
@@ -227,7 +227,7 @@
           <a:p>
             <a:fld id="{012EC61B-F1AA-4E01-A057-3AA64F2C7106}" type="datetimeFigureOut">
               <a:rPr lang="en-AU" smtClean="0"/>
-              <a:t>1/10/20</a:t>
+              <a:t>2/10/2020</a:t>
             </a:fld>
             <a:endParaRPr lang="en-AU"/>
           </a:p>
@@ -1057,7 +1057,7 @@
   <p:clrMapOvr>
     <a:masterClrMapping/>
   </p:clrMapOvr>
-  <p:extLst mod="1">
+  <p:extLst>
     <p:ext uri="{DCECCB84-F9BA-43D5-87BE-67443E8EF086}">
       <p15:sldGuideLst xmlns:p15="http://schemas.microsoft.com/office/powerpoint/2012/main">
         <p15:guide id="2" pos="7514" userDrawn="1">
@@ -2578,8 +2578,21 @@
                   <a:schemeClr val="accent6"/>
                 </a:solidFill>
               </a:rPr>
-              <a:t>Team Alexa</a:t>
+              <a:t>Team </a:t>
             </a:r>
+            <a:r>
+              <a:rPr lang="en-AU" sz="2400" b="1" i="1" dirty="0" err="1">
+                <a:solidFill>
+                  <a:schemeClr val="accent6"/>
+                </a:solidFill>
+              </a:rPr>
+              <a:t>Databots</a:t>
+            </a:r>
+            <a:endParaRPr lang="en-AU" sz="2400" b="1" i="1" dirty="0">
+              <a:solidFill>
+                <a:schemeClr val="accent6"/>
+              </a:solidFill>
+            </a:endParaRPr>
           </a:p>
           <a:p>
             <a:r>
@@ -2978,7 +2991,7 @@
           <p:nvPr/>
         </p:nvPicPr>
         <p:blipFill rotWithShape="1">
-          <a:blip r:embed="rId3">
+          <a:blip r:embed="rId3" cstate="print">
             <a:extLst>
               <a:ext uri="{28A0092B-C50C-407E-A947-70E740481C1C}">
                 <a14:useLocalDpi xmlns:a14="http://schemas.microsoft.com/office/drawing/2010/main" val="0"/>
@@ -3056,6 +3069,42 @@
           </a:p>
         </p:txBody>
       </p:sp>
+      <p:pic>
+        <p:nvPicPr>
+          <p:cNvPr id="4" name="Picture 3" descr="A person looking at the camera&#10;&#10;Description automatically generated">
+            <a:extLst>
+              <a:ext uri="{FF2B5EF4-FFF2-40B4-BE49-F238E27FC236}">
+                <a16:creationId xmlns:a16="http://schemas.microsoft.com/office/drawing/2014/main" id="{C00E0721-FEA2-450A-BB49-F152E9B8CA23}"/>
+              </a:ext>
+            </a:extLst>
+          </p:cNvPr>
+          <p:cNvPicPr>
+            <a:picLocks noChangeAspect="1"/>
+          </p:cNvPicPr>
+          <p:nvPr/>
+        </p:nvPicPr>
+        <p:blipFill>
+          <a:blip r:embed="rId4">
+            <a:extLst>
+              <a:ext uri="{28A0092B-C50C-407E-A947-70E740481C1C}">
+                <a14:useLocalDpi xmlns:a14="http://schemas.microsoft.com/office/drawing/2010/main" val="0"/>
+              </a:ext>
+            </a:extLst>
+          </a:blip>
+          <a:stretch>
+            <a:fillRect/>
+          </a:stretch>
+        </p:blipFill>
+        <p:spPr>
+          <a:xfrm>
+            <a:off x="10989715" y="5335444"/>
+            <a:ext cx="1080000" cy="1080000"/>
+          </a:xfrm>
+          <a:prstGeom prst="rect">
+            <a:avLst/>
+          </a:prstGeom>
+        </p:spPr>
+      </p:pic>
     </p:spTree>
     <p:extLst>
       <p:ext uri="{BB962C8B-B14F-4D97-AF65-F5344CB8AC3E}">
